--- a/Grow It.pptx
+++ b/Grow It.pptx
@@ -115,7 +115,7 @@
   </p:defaultTextStyle>
   <p:extLst>
     <p:ext uri="{EFAFB233-063F-42B5-8137-9DF3F51BA10A}">
-      <p15:sldGuideLst xmlns:p15="http://schemas.microsoft.com/office/powerpoint/2012/main"/>
+      <p15:sldGuideLst xmlns:p15="http://schemas.microsoft.com/office/powerpoint/2012/main" xmlns=""/>
     </p:ext>
   </p:extLst>
 </p:presentation>
@@ -203,7 +203,7 @@
           <a:p>
             <a:fld id="{E3A72045-446F-4215-B78C-1755070AB355}" type="datetimeFigureOut">
               <a:rPr lang="de-AT" smtClean="0"/>
-              <a:t>17.09.2015</a:t>
+              <a:t>02.12.2015</a:t>
             </a:fld>
             <a:endParaRPr lang="de-AT"/>
           </a:p>
@@ -1301,7 +1301,7 @@
           <a:p>
             <a:fld id="{CBE68431-A503-43A7-8DB0-41FD3A685EF3}" type="datetimeFigureOut">
               <a:rPr lang="de-AT" smtClean="0"/>
-              <a:t>17.09.2015</a:t>
+              <a:t>02.12.2015</a:t>
             </a:fld>
             <a:endParaRPr lang="de-AT"/>
           </a:p>
@@ -1552,7 +1552,7 @@
           <a:p>
             <a:fld id="{CBE68431-A503-43A7-8DB0-41FD3A685EF3}" type="datetimeFigureOut">
               <a:rPr lang="de-AT" smtClean="0"/>
-              <a:t>17.09.2015</a:t>
+              <a:t>02.12.2015</a:t>
             </a:fld>
             <a:endParaRPr lang="de-AT"/>
           </a:p>
@@ -1866,7 +1866,7 @@
           <a:p>
             <a:fld id="{CBE68431-A503-43A7-8DB0-41FD3A685EF3}" type="datetimeFigureOut">
               <a:rPr lang="de-AT" smtClean="0"/>
-              <a:t>17.09.2015</a:t>
+              <a:t>02.12.2015</a:t>
             </a:fld>
             <a:endParaRPr lang="de-AT"/>
           </a:p>
@@ -2207,7 +2207,7 @@
           <a:p>
             <a:fld id="{CBE68431-A503-43A7-8DB0-41FD3A685EF3}" type="datetimeFigureOut">
               <a:rPr lang="de-AT" smtClean="0"/>
-              <a:t>17.09.2015</a:t>
+              <a:t>02.12.2015</a:t>
             </a:fld>
             <a:endParaRPr lang="de-AT"/>
           </a:p>
@@ -2521,7 +2521,7 @@
           <a:p>
             <a:fld id="{CBE68431-A503-43A7-8DB0-41FD3A685EF3}" type="datetimeFigureOut">
               <a:rPr lang="de-AT" smtClean="0"/>
-              <a:t>17.09.2015</a:t>
+              <a:t>02.12.2015</a:t>
             </a:fld>
             <a:endParaRPr lang="de-AT"/>
           </a:p>
@@ -2914,7 +2914,7 @@
           <a:p>
             <a:fld id="{CBE68431-A503-43A7-8DB0-41FD3A685EF3}" type="datetimeFigureOut">
               <a:rPr lang="de-AT" smtClean="0"/>
-              <a:t>17.09.2015</a:t>
+              <a:t>02.12.2015</a:t>
             </a:fld>
             <a:endParaRPr lang="de-AT"/>
           </a:p>
@@ -3084,7 +3084,7 @@
           <a:p>
             <a:fld id="{CBE68431-A503-43A7-8DB0-41FD3A685EF3}" type="datetimeFigureOut">
               <a:rPr lang="de-AT" smtClean="0"/>
-              <a:t>17.09.2015</a:t>
+              <a:t>02.12.2015</a:t>
             </a:fld>
             <a:endParaRPr lang="de-AT"/>
           </a:p>
@@ -3264,7 +3264,7 @@
           <a:p>
             <a:fld id="{CBE68431-A503-43A7-8DB0-41FD3A685EF3}" type="datetimeFigureOut">
               <a:rPr lang="de-AT" smtClean="0"/>
-              <a:t>17.09.2015</a:t>
+              <a:t>02.12.2015</a:t>
             </a:fld>
             <a:endParaRPr lang="de-AT"/>
           </a:p>
@@ -3440,7 +3440,7 @@
           <a:p>
             <a:fld id="{CBE68431-A503-43A7-8DB0-41FD3A685EF3}" type="datetimeFigureOut">
               <a:rPr lang="de-AT" smtClean="0"/>
-              <a:t>17.09.2015</a:t>
+              <a:t>02.12.2015</a:t>
             </a:fld>
             <a:endParaRPr lang="de-AT"/>
           </a:p>
@@ -3687,7 +3687,7 @@
           <a:p>
             <a:fld id="{CBE68431-A503-43A7-8DB0-41FD3A685EF3}" type="datetimeFigureOut">
               <a:rPr lang="de-AT" smtClean="0"/>
-              <a:t>17.09.2015</a:t>
+              <a:t>02.12.2015</a:t>
             </a:fld>
             <a:endParaRPr lang="de-AT"/>
           </a:p>
@@ -3919,7 +3919,7 @@
           <a:p>
             <a:fld id="{CBE68431-A503-43A7-8DB0-41FD3A685EF3}" type="datetimeFigureOut">
               <a:rPr lang="de-AT" smtClean="0"/>
-              <a:t>17.09.2015</a:t>
+              <a:t>02.12.2015</a:t>
             </a:fld>
             <a:endParaRPr lang="de-AT"/>
           </a:p>
@@ -4293,7 +4293,7 @@
           <a:p>
             <a:fld id="{CBE68431-A503-43A7-8DB0-41FD3A685EF3}" type="datetimeFigureOut">
               <a:rPr lang="de-AT" smtClean="0"/>
-              <a:t>17.09.2015</a:t>
+              <a:t>02.12.2015</a:t>
             </a:fld>
             <a:endParaRPr lang="de-AT"/>
           </a:p>
@@ -4416,7 +4416,7 @@
           <a:p>
             <a:fld id="{CBE68431-A503-43A7-8DB0-41FD3A685EF3}" type="datetimeFigureOut">
               <a:rPr lang="de-AT" smtClean="0"/>
-              <a:t>17.09.2015</a:t>
+              <a:t>02.12.2015</a:t>
             </a:fld>
             <a:endParaRPr lang="de-AT"/>
           </a:p>
@@ -4511,7 +4511,7 @@
           <a:p>
             <a:fld id="{CBE68431-A503-43A7-8DB0-41FD3A685EF3}" type="datetimeFigureOut">
               <a:rPr lang="de-AT" smtClean="0"/>
-              <a:t>17.09.2015</a:t>
+              <a:t>02.12.2015</a:t>
             </a:fld>
             <a:endParaRPr lang="de-AT"/>
           </a:p>
@@ -4766,7 +4766,7 @@
           <a:p>
             <a:fld id="{CBE68431-A503-43A7-8DB0-41FD3A685EF3}" type="datetimeFigureOut">
               <a:rPr lang="de-AT" smtClean="0"/>
-              <a:t>17.09.2015</a:t>
+              <a:t>02.12.2015</a:t>
             </a:fld>
             <a:endParaRPr lang="de-AT"/>
           </a:p>
@@ -5029,7 +5029,7 @@
           <a:p>
             <a:fld id="{CBE68431-A503-43A7-8DB0-41FD3A685EF3}" type="datetimeFigureOut">
               <a:rPr lang="de-AT" smtClean="0"/>
-              <a:t>17.09.2015</a:t>
+              <a:t>02.12.2015</a:t>
             </a:fld>
             <a:endParaRPr lang="de-AT"/>
           </a:p>
@@ -5772,7 +5772,7 @@
           <a:p>
             <a:fld id="{CBE68431-A503-43A7-8DB0-41FD3A685EF3}" type="datetimeFigureOut">
               <a:rPr lang="de-AT" smtClean="0"/>
-              <a:t>17.09.2015</a:t>
+              <a:t>02.12.2015</a:t>
             </a:fld>
             <a:endParaRPr lang="de-AT"/>
           </a:p>
@@ -6724,11 +6724,22 @@
               <a:rPr lang="de-AT" sz="2400" dirty="0" smtClean="0"/>
               <a:t>Photoshop </a:t>
             </a:r>
-          </a:p>
-          <a:p>
+            <a:endParaRPr lang="de-AT" sz="2400" dirty="0" smtClean="0"/>
+          </a:p>
+          <a:p>
+            <a:r>
+              <a:rPr lang="de-AT" sz="2400" dirty="0" err="1" smtClean="0"/>
+              <a:t>Painttool</a:t>
+            </a:r>
             <a:r>
               <a:rPr lang="de-AT" sz="2400" dirty="0" smtClean="0"/>
-              <a:t>Cinema 4D</a:t>
+              <a:t> SAI</a:t>
+            </a:r>
+          </a:p>
+          <a:p>
+            <a:r>
+              <a:rPr lang="de-AT" sz="2400" dirty="0" smtClean="0"/>
+              <a:t>Paint</a:t>
             </a:r>
             <a:endParaRPr lang="de-AT" sz="2400" dirty="0"/>
           </a:p>
@@ -7429,7 +7440,7 @@
   <a:extraClrSchemeLst/>
   <a:extLst>
     <a:ext uri="{05A4C25C-085E-4340-85A3-A5531E510DB2}">
-      <thm15:themeFamily xmlns:thm15="http://schemas.microsoft.com/office/thememl/2012/main" name="Facet" id="{C0C680CD-088A-49FC-A102-D699147F32B2}" vid="{CFBC31BA-B70F-4F30-BCAA-4F3011E16C4D}"/>
+      <thm15:themeFamily xmlns:thm15="http://schemas.microsoft.com/office/thememl/2012/main" xmlns="" name="Facet" id="{C0C680CD-088A-49FC-A102-D699147F32B2}" vid="{CFBC31BA-B70F-4F30-BCAA-4F3011E16C4D}"/>
     </a:ext>
   </a:extLst>
 </a:theme>
@@ -7690,7 +7701,7 @@
   <a:extraClrSchemeLst/>
   <a:extLst>
     <a:ext uri="{05A4C25C-085E-4340-85A3-A5531E510DB2}">
-      <thm15:themeFamily xmlns:thm15="http://schemas.microsoft.com/office/thememl/2012/main" name="Office Theme" id="{62F939B6-93AF-4DB8-9C6B-D6C7DFDC589F}" vid="{4A3C46E8-61CC-4603-A589-7422A47A8E4A}"/>
+      <thm15:themeFamily xmlns:thm15="http://schemas.microsoft.com/office/thememl/2012/main" xmlns="" name="Office Theme" id="{62F939B6-93AF-4DB8-9C6B-D6C7DFDC589F}" vid="{4A3C46E8-61CC-4603-A589-7422A47A8E4A}"/>
     </a:ext>
   </a:extLst>
 </a:theme>
